--- a/js_ppt/3강. js_제어문(조건,반복).pptx
+++ b/js_ppt/3강. js_제어문(조건,반복).pptx
@@ -149,7 +149,7 @@
   </p:defaultTextStyle>
   <p:extLst>
     <p:ext uri="{EFAFB233-063F-42B5-8137-9DF3F51BA10A}">
-      <p15:sldGuideLst xmlns="" xmlns:p15="http://schemas.microsoft.com/office/powerpoint/2012/main">
+      <p15:sldGuideLst xmlns:p15="http://schemas.microsoft.com/office/powerpoint/2012/main">
         <p15:guide id="1" orient="horz" pos="2160">
           <p15:clr>
             <a:srgbClr val="A4A3A4"/>
@@ -248,7 +248,7 @@
           <a:p>
             <a:fld id="{7665CDAC-D627-4E87-877A-1B781DD4CADC}" type="datetimeFigureOut">
               <a:rPr lang="ko-KR" altLang="en-US" smtClean="0"/>
-              <a:t>2022-05-23</a:t>
+              <a:t>2023-03-29</a:t>
             </a:fld>
             <a:endParaRPr lang="ko-KR" altLang="en-US"/>
           </a:p>
@@ -662,7 +662,7 @@
           <a:p>
             <a:fld id="{C25BCFD5-C4DF-4EBC-B718-C69ED2FBDE6F}" type="datetime1">
               <a:rPr lang="ko-KR" altLang="en-US" smtClean="0"/>
-              <a:t>2022-05-23</a:t>
+              <a:t>2023-03-29</a:t>
             </a:fld>
             <a:endParaRPr lang="ko-KR" altLang="en-US"/>
           </a:p>
@@ -1080,7 +1080,7 @@
           <a:p>
             <a:fld id="{AB448CD7-D367-43D5-B461-ACE552E75063}" type="datetime1">
               <a:rPr lang="ko-KR" altLang="en-US" smtClean="0"/>
-              <a:t>2022-05-23</a:t>
+              <a:t>2023-03-29</a:t>
             </a:fld>
             <a:endParaRPr lang="ko-KR" altLang="en-US"/>
           </a:p>
@@ -1260,7 +1260,7 @@
           <a:p>
             <a:fld id="{B6E49E79-7361-4780-8BEF-7EDE3708298A}" type="datetime1">
               <a:rPr lang="ko-KR" altLang="en-US" smtClean="0"/>
-              <a:t>2022-05-23</a:t>
+              <a:t>2023-03-29</a:t>
             </a:fld>
             <a:endParaRPr lang="ko-KR" altLang="en-US"/>
           </a:p>
@@ -1434,7 +1434,7 @@
           <a:p>
             <a:fld id="{A4D42E3C-B70B-437C-85CF-1286301B9CBA}" type="datetime1">
               <a:rPr lang="ko-KR" altLang="en-US" smtClean="0"/>
-              <a:t>2022-05-23</a:t>
+              <a:t>2023-03-29</a:t>
             </a:fld>
             <a:endParaRPr lang="ko-KR" altLang="en-US"/>
           </a:p>
@@ -1680,7 +1680,7 @@
           <a:p>
             <a:fld id="{B3369A20-5B3D-4D98-A822-26B93D177A40}" type="datetime1">
               <a:rPr lang="ko-KR" altLang="en-US" smtClean="0"/>
-              <a:t>2022-05-23</a:t>
+              <a:t>2023-03-29</a:t>
             </a:fld>
             <a:endParaRPr lang="ko-KR" altLang="en-US"/>
           </a:p>
@@ -1968,7 +1968,7 @@
           <a:p>
             <a:fld id="{685CD4CE-9E43-4F70-A9D8-A2130CA7D92A}" type="datetime1">
               <a:rPr lang="ko-KR" altLang="en-US" smtClean="0"/>
-              <a:t>2022-05-23</a:t>
+              <a:t>2023-03-29</a:t>
             </a:fld>
             <a:endParaRPr lang="ko-KR" altLang="en-US"/>
           </a:p>
@@ -2390,7 +2390,7 @@
           <a:p>
             <a:fld id="{F752BD92-DA3E-4A0B-90C9-7DE5E15B6E96}" type="datetime1">
               <a:rPr lang="ko-KR" altLang="en-US" smtClean="0"/>
-              <a:t>2022-05-23</a:t>
+              <a:t>2023-03-29</a:t>
             </a:fld>
             <a:endParaRPr lang="ko-KR" altLang="en-US"/>
           </a:p>
@@ -2508,7 +2508,7 @@
           <a:p>
             <a:fld id="{8EA2B83A-F366-424E-B742-340ACF856BB5}" type="datetime1">
               <a:rPr lang="ko-KR" altLang="en-US" smtClean="0"/>
-              <a:t>2022-05-23</a:t>
+              <a:t>2023-03-29</a:t>
             </a:fld>
             <a:endParaRPr lang="ko-KR" altLang="en-US"/>
           </a:p>
@@ -2603,7 +2603,7 @@
           <a:p>
             <a:fld id="{9A49D68B-5DBD-48E9-A8D4-FCBC4B3DD9C6}" type="datetime1">
               <a:rPr lang="ko-KR" altLang="en-US" smtClean="0"/>
-              <a:t>2022-05-23</a:t>
+              <a:t>2023-03-29</a:t>
             </a:fld>
             <a:endParaRPr lang="ko-KR" altLang="en-US"/>
           </a:p>
@@ -2880,7 +2880,7 @@
           <a:p>
             <a:fld id="{4CAB534F-7D16-467B-9320-91F98915D181}" type="datetime1">
               <a:rPr lang="ko-KR" altLang="en-US" smtClean="0"/>
-              <a:t>2022-05-23</a:t>
+              <a:t>2023-03-29</a:t>
             </a:fld>
             <a:endParaRPr lang="ko-KR" altLang="en-US"/>
           </a:p>
@@ -3133,7 +3133,7 @@
           <a:p>
             <a:fld id="{A390A91F-2F8D-4486-A69D-D680F95444B0}" type="datetime1">
               <a:rPr lang="ko-KR" altLang="en-US" smtClean="0"/>
-              <a:t>2022-05-23</a:t>
+              <a:t>2023-03-29</a:t>
             </a:fld>
             <a:endParaRPr lang="ko-KR" altLang="en-US"/>
           </a:p>
@@ -3313,7 +3313,7 @@
           <a:p>
             <a:fld id="{2238BBEA-E8DD-414A-BF68-FC2AFA7CFF2D}" type="datetime1">
               <a:rPr lang="ko-KR" altLang="en-US" smtClean="0"/>
-              <a:t>2022-05-23</a:t>
+              <a:t>2023-03-29</a:t>
             </a:fld>
             <a:endParaRPr lang="ko-KR" altLang="en-US"/>
           </a:p>
@@ -6558,14 +6558,14 @@
                 <a:gridCol w="1042402">
                   <a:extLst>
                     <a:ext uri="{9D8B030D-6E8A-4147-A177-3AD203B41FA5}">
-                      <a16:colId xmlns:a16="http://schemas.microsoft.com/office/drawing/2014/main" xmlns="" val="20000"/>
+                      <a16:colId xmlns:a16="http://schemas.microsoft.com/office/drawing/2014/main" val="20000"/>
                     </a:ext>
                   </a:extLst>
                 </a:gridCol>
                 <a:gridCol w="1693902">
                   <a:extLst>
                     <a:ext uri="{9D8B030D-6E8A-4147-A177-3AD203B41FA5}">
-                      <a16:colId xmlns:a16="http://schemas.microsoft.com/office/drawing/2014/main" xmlns="" val="20001"/>
+                      <a16:colId xmlns:a16="http://schemas.microsoft.com/office/drawing/2014/main" val="20001"/>
                     </a:ext>
                   </a:extLst>
                 </a:gridCol>
@@ -6621,7 +6621,7 @@
                 </a:tc>
                 <a:extLst>
                   <a:ext uri="{0D108BD9-81ED-4DB2-BD59-A6C34878D82A}">
-                    <a16:rowId xmlns:a16="http://schemas.microsoft.com/office/drawing/2014/main" xmlns="" val="10000"/>
+                    <a16:rowId xmlns:a16="http://schemas.microsoft.com/office/drawing/2014/main" val="10000"/>
                   </a:ext>
                 </a:extLst>
               </a:tr>
@@ -6665,7 +6665,7 @@
                 </a:tc>
                 <a:extLst>
                   <a:ext uri="{0D108BD9-81ED-4DB2-BD59-A6C34878D82A}">
-                    <a16:rowId xmlns:a16="http://schemas.microsoft.com/office/drawing/2014/main" xmlns="" val="10001"/>
+                    <a16:rowId xmlns:a16="http://schemas.microsoft.com/office/drawing/2014/main" val="10001"/>
                   </a:ext>
                 </a:extLst>
               </a:tr>
@@ -6709,7 +6709,7 @@
                 </a:tc>
                 <a:extLst>
                   <a:ext uri="{0D108BD9-81ED-4DB2-BD59-A6C34878D82A}">
-                    <a16:rowId xmlns:a16="http://schemas.microsoft.com/office/drawing/2014/main" xmlns="" val="10002"/>
+                    <a16:rowId xmlns:a16="http://schemas.microsoft.com/office/drawing/2014/main" val="10002"/>
                   </a:ext>
                 </a:extLst>
               </a:tr>
@@ -6753,7 +6753,7 @@
                 </a:tc>
                 <a:extLst>
                   <a:ext uri="{0D108BD9-81ED-4DB2-BD59-A6C34878D82A}">
-                    <a16:rowId xmlns:a16="http://schemas.microsoft.com/office/drawing/2014/main" xmlns="" val="10003"/>
+                    <a16:rowId xmlns:a16="http://schemas.microsoft.com/office/drawing/2014/main" val="10003"/>
                   </a:ext>
                 </a:extLst>
               </a:tr>
@@ -8141,12 +8141,12 @@
               </a:lnSpc>
             </a:pPr>
             <a:r>
-              <a:rPr lang="en-US" altLang="ko-KR" dirty="0" err="1" smtClean="0">
+              <a:rPr lang="en-US" altLang="ko-KR" dirty="0" smtClean="0">
                 <a:solidFill>
                   <a:sysClr val="windowText" lastClr="000000"/>
                 </a:solidFill>
               </a:rPr>
-              <a:t>var</a:t>
+              <a:t>let</a:t>
             </a:r>
             <a:r>
               <a:rPr lang="en-US" altLang="ko-KR" dirty="0" smtClean="0">
@@ -8343,7 +8343,7 @@
       </p:sp>
       <p:pic>
         <p:nvPicPr>
-          <p:cNvPr id="7" name="그림 6"/>
+          <p:cNvPr id="3" name="그림 2"/>
           <p:cNvPicPr>
             <a:picLocks noChangeAspect="1"/>
           </p:cNvPicPr>
@@ -8363,8 +8363,8 @@
         </p:blipFill>
         <p:spPr>
           <a:xfrm>
-            <a:off x="4650541" y="2083217"/>
-            <a:ext cx="3619814" cy="2209992"/>
+            <a:off x="4520952" y="2489716"/>
+            <a:ext cx="4092295" cy="1615580"/>
           </a:xfrm>
           <a:prstGeom prst="rect">
             <a:avLst/>
@@ -8543,7 +8543,7 @@
       </p:sp>
       <p:pic>
         <p:nvPicPr>
-          <p:cNvPr id="11" name="그림 10"/>
+          <p:cNvPr id="9" name="그림 8"/>
           <p:cNvPicPr>
             <a:picLocks noChangeAspect="1"/>
           </p:cNvPicPr>
@@ -8563,8 +8563,8 @@
         </p:blipFill>
         <p:spPr>
           <a:xfrm>
-            <a:off x="3224808" y="1916832"/>
-            <a:ext cx="5220153" cy="2751059"/>
+            <a:off x="6609184" y="3721836"/>
+            <a:ext cx="1958006" cy="2592288"/>
           </a:xfrm>
           <a:prstGeom prst="rect">
             <a:avLst/>
@@ -8578,9 +8578,47 @@
           </a:ln>
         </p:spPr>
       </p:pic>
+      <p:sp>
+        <p:nvSpPr>
+          <p:cNvPr id="8" name="TextBox 7"/>
+          <p:cNvSpPr txBox="1"/>
+          <p:nvPr/>
+        </p:nvSpPr>
+        <p:spPr>
+          <a:xfrm>
+            <a:off x="4724499" y="3370058"/>
+            <a:ext cx="1584176" cy="369332"/>
+          </a:xfrm>
+          <a:prstGeom prst="rect">
+            <a:avLst/>
+          </a:prstGeom>
+          <a:noFill/>
+        </p:spPr>
+        <p:txBody>
+          <a:bodyPr wrap="square" rtlCol="0">
+            <a:spAutoFit/>
+          </a:bodyPr>
+          <a:lstStyle/>
+          <a:p>
+            <a:r>
+              <a:rPr lang="en-US" altLang="ko-KR" dirty="0" smtClean="0">
+                <a:solidFill>
+                  <a:srgbClr val="C00000"/>
+                </a:solidFill>
+              </a:rPr>
+              <a:t>while2.html</a:t>
+            </a:r>
+            <a:endParaRPr lang="ko-KR" altLang="en-US" dirty="0">
+              <a:solidFill>
+                <a:srgbClr val="C00000"/>
+              </a:solidFill>
+            </a:endParaRPr>
+          </a:p>
+        </p:txBody>
+      </p:sp>
       <p:pic>
         <p:nvPicPr>
-          <p:cNvPr id="9" name="그림 8"/>
+          <p:cNvPr id="3" name="그림 2"/>
           <p:cNvPicPr>
             <a:picLocks noChangeAspect="1"/>
           </p:cNvPicPr>
@@ -8600,8 +8638,8 @@
         </p:blipFill>
         <p:spPr>
           <a:xfrm>
-            <a:off x="6782309" y="3933056"/>
-            <a:ext cx="1958006" cy="2592288"/>
+            <a:off x="1640632" y="2038782"/>
+            <a:ext cx="2377646" cy="1806097"/>
           </a:xfrm>
           <a:prstGeom prst="rect">
             <a:avLst/>
@@ -8617,13 +8655,13 @@
       </p:pic>
       <p:pic>
         <p:nvPicPr>
-          <p:cNvPr id="12" name="그림 11"/>
+          <p:cNvPr id="5" name="그림 4"/>
           <p:cNvPicPr>
             <a:picLocks noChangeAspect="1"/>
           </p:cNvPicPr>
           <p:nvPr/>
         </p:nvPicPr>
-        <p:blipFill rotWithShape="1">
+        <p:blipFill>
           <a:blip r:embed="rId4">
             <a:extLst>
               <a:ext uri="{28A0092B-C50C-407E-A947-70E740481C1C}">
@@ -8631,13 +8669,14 @@
               </a:ext>
             </a:extLst>
           </a:blip>
-          <a:srcRect r="19399"/>
-          <a:stretch/>
+          <a:stretch>
+            <a:fillRect/>
+          </a:stretch>
         </p:blipFill>
         <p:spPr>
           <a:xfrm>
-            <a:off x="1363488" y="1916832"/>
-            <a:ext cx="1652274" cy="3208298"/>
+            <a:off x="1640632" y="4005064"/>
+            <a:ext cx="4740051" cy="2309060"/>
           </a:xfrm>
           <a:prstGeom prst="rect">
             <a:avLst/>
@@ -10071,59 +10110,9 @@
           </a:p>
         </p:txBody>
       </p:sp>
-      <p:sp>
-        <p:nvSpPr>
-          <p:cNvPr id="3" name="직사각형 2"/>
-          <p:cNvSpPr/>
-          <p:nvPr/>
-        </p:nvSpPr>
-        <p:spPr>
-          <a:xfrm>
-            <a:off x="1568624" y="1769041"/>
-            <a:ext cx="3600400" cy="507831"/>
-          </a:xfrm>
-          <a:prstGeom prst="rect">
-            <a:avLst/>
-          </a:prstGeom>
-        </p:spPr>
-        <p:txBody>
-          <a:bodyPr wrap="square">
-            <a:spAutoFit/>
-          </a:bodyPr>
-          <a:lstStyle/>
-          <a:p>
-            <a:pPr>
-              <a:lnSpc>
-                <a:spcPct val="150000"/>
-              </a:lnSpc>
-            </a:pPr>
-            <a:r>
-              <a:rPr lang="en-US" altLang="ko-KR" dirty="0"/>
-              <a:t> </a:t>
-            </a:r>
-            <a:r>
-              <a:rPr lang="en-US" altLang="ko-KR" dirty="0" smtClean="0"/>
-              <a:t> 1</a:t>
-            </a:r>
-            <a:r>
-              <a:rPr lang="ko-KR" altLang="en-US" dirty="0" smtClean="0"/>
-              <a:t>부터 </a:t>
-            </a:r>
-            <a:r>
-              <a:rPr lang="en-US" altLang="ko-KR" dirty="0" smtClean="0"/>
-              <a:t>10</a:t>
-            </a:r>
-            <a:r>
-              <a:rPr lang="ko-KR" altLang="en-US" dirty="0" smtClean="0"/>
-              <a:t>까지 더하기</a:t>
-            </a:r>
-            <a:endParaRPr lang="ko-KR" altLang="en-US" dirty="0"/>
-          </a:p>
-        </p:txBody>
-      </p:sp>
       <p:pic>
         <p:nvPicPr>
-          <p:cNvPr id="5" name="그림 4"/>
+          <p:cNvPr id="6" name="그림 5"/>
           <p:cNvPicPr>
             <a:picLocks noChangeAspect="1"/>
           </p:cNvPicPr>
@@ -10143,8 +10132,8 @@
         </p:blipFill>
         <p:spPr>
           <a:xfrm>
-            <a:off x="2000672" y="2348880"/>
-            <a:ext cx="3490263" cy="2972058"/>
+            <a:off x="1784648" y="1988840"/>
+            <a:ext cx="4054191" cy="2720576"/>
           </a:xfrm>
           <a:prstGeom prst="rect">
             <a:avLst/>
@@ -10158,6 +10147,52 @@
           </a:ln>
         </p:spPr>
       </p:pic>
+      <p:sp>
+        <p:nvSpPr>
+          <p:cNvPr id="8" name="TextBox 7"/>
+          <p:cNvSpPr txBox="1"/>
+          <p:nvPr/>
+        </p:nvSpPr>
+        <p:spPr>
+          <a:xfrm>
+            <a:off x="5169024" y="2420888"/>
+            <a:ext cx="2088232" cy="369332"/>
+          </a:xfrm>
+          <a:prstGeom prst="rect">
+            <a:avLst/>
+          </a:prstGeom>
+          <a:noFill/>
+        </p:spPr>
+        <p:txBody>
+          <a:bodyPr wrap="square" rtlCol="0">
+            <a:spAutoFit/>
+          </a:bodyPr>
+          <a:lstStyle/>
+          <a:p>
+            <a:r>
+              <a:rPr lang="en-US" altLang="ko-KR" dirty="0">
+                <a:solidFill>
+                  <a:srgbClr val="C00000"/>
+                </a:solidFill>
+              </a:rPr>
+              <a:t>w</a:t>
+            </a:r>
+            <a:r>
+              <a:rPr lang="en-US" altLang="ko-KR" dirty="0" smtClean="0">
+                <a:solidFill>
+                  <a:srgbClr val="C00000"/>
+                </a:solidFill>
+              </a:rPr>
+              <a:t>hile_true.html</a:t>
+            </a:r>
+            <a:endParaRPr lang="ko-KR" altLang="en-US" dirty="0">
+              <a:solidFill>
+                <a:srgbClr val="C00000"/>
+              </a:solidFill>
+            </a:endParaRPr>
+          </a:p>
+        </p:txBody>
+      </p:sp>
     </p:spTree>
     <p:extLst>
       <p:ext uri="{BB962C8B-B14F-4D97-AF65-F5344CB8AC3E}">
@@ -10358,7 +10393,7 @@
         </p:blipFill>
         <p:spPr>
           <a:xfrm>
-            <a:off x="4569114" y="1953562"/>
+            <a:off x="4520952" y="2464627"/>
             <a:ext cx="4752528" cy="3168352"/>
           </a:xfrm>
           <a:prstGeom prst="rect">
@@ -10484,6 +10519,52 @@
           </a:ln>
         </p:spPr>
       </p:pic>
+      <p:sp>
+        <p:nvSpPr>
+          <p:cNvPr id="11" name="TextBox 10"/>
+          <p:cNvSpPr txBox="1"/>
+          <p:nvPr/>
+        </p:nvSpPr>
+        <p:spPr>
+          <a:xfrm>
+            <a:off x="6609184" y="1922474"/>
+            <a:ext cx="2088232" cy="369332"/>
+          </a:xfrm>
+          <a:prstGeom prst="rect">
+            <a:avLst/>
+          </a:prstGeom>
+          <a:noFill/>
+        </p:spPr>
+        <p:txBody>
+          <a:bodyPr wrap="square" rtlCol="0">
+            <a:spAutoFit/>
+          </a:bodyPr>
+          <a:lstStyle/>
+          <a:p>
+            <a:r>
+              <a:rPr lang="en-US" altLang="ko-KR" dirty="0">
+                <a:solidFill>
+                  <a:srgbClr val="C00000"/>
+                </a:solidFill>
+              </a:rPr>
+              <a:t>k</a:t>
+            </a:r>
+            <a:r>
+              <a:rPr lang="en-US" altLang="ko-KR" dirty="0" smtClean="0">
+                <a:solidFill>
+                  <a:srgbClr val="C00000"/>
+                </a:solidFill>
+              </a:rPr>
+              <a:t>ey_repeat.html</a:t>
+            </a:r>
+            <a:endParaRPr lang="ko-KR" altLang="en-US" dirty="0">
+              <a:solidFill>
+                <a:srgbClr val="C00000"/>
+              </a:solidFill>
+            </a:endParaRPr>
+          </a:p>
+        </p:txBody>
+      </p:sp>
     </p:spTree>
     <p:extLst>
       <p:ext uri="{BB962C8B-B14F-4D97-AF65-F5344CB8AC3E}">
@@ -10756,7 +10837,19 @@
             </a:r>
             <a:r>
               <a:rPr lang="en-US" altLang="ko-KR" dirty="0" smtClean="0"/>
-              <a:t>:  break_ex.html)</a:t>
+              <a:t>:  </a:t>
+            </a:r>
+            <a:r>
+              <a:rPr lang="en-US" altLang="ko-KR" dirty="0" smtClean="0"/>
+              <a:t>while_if_break</a:t>
+            </a:r>
+            <a:r>
+              <a:rPr lang="en-US" altLang="ko-KR" dirty="0" smtClean="0"/>
+              <a:t>.html</a:t>
+            </a:r>
+            <a:r>
+              <a:rPr lang="en-US" altLang="ko-KR" dirty="0" smtClean="0"/>
+              <a:t>)</a:t>
             </a:r>
           </a:p>
           <a:p>
@@ -12060,7 +12153,7 @@
       </p:sp>
       <p:pic>
         <p:nvPicPr>
-          <p:cNvPr id="13" name="그림 12"/>
+          <p:cNvPr id="5" name="그림 4"/>
           <p:cNvPicPr>
             <a:picLocks noChangeAspect="1"/>
           </p:cNvPicPr>
@@ -12080,45 +12173,8 @@
         </p:blipFill>
         <p:spPr>
           <a:xfrm>
-            <a:off x="6969224" y="2132856"/>
-            <a:ext cx="1308884" cy="3004485"/>
-          </a:xfrm>
-          <a:prstGeom prst="rect">
-            <a:avLst/>
-          </a:prstGeom>
-          <a:ln>
-            <a:solidFill>
-              <a:schemeClr val="bg1">
-                <a:lumMod val="75000"/>
-              </a:schemeClr>
-            </a:solidFill>
-          </a:ln>
-        </p:spPr>
-      </p:pic>
-      <p:pic>
-        <p:nvPicPr>
-          <p:cNvPr id="5" name="그림 4"/>
-          <p:cNvPicPr>
-            <a:picLocks noChangeAspect="1"/>
-          </p:cNvPicPr>
-          <p:nvPr/>
-        </p:nvPicPr>
-        <p:blipFill>
-          <a:blip r:embed="rId3">
-            <a:extLst>
-              <a:ext uri="{28A0092B-C50C-407E-A947-70E740481C1C}">
-                <a14:useLocalDpi xmlns:a14="http://schemas.microsoft.com/office/drawing/2010/main" val="0"/>
-              </a:ext>
-            </a:extLst>
-          </a:blip>
-          <a:stretch>
-            <a:fillRect/>
-          </a:stretch>
-        </p:blipFill>
-        <p:spPr>
-          <a:xfrm>
-            <a:off x="1603227" y="2132856"/>
-            <a:ext cx="5189670" cy="2385267"/>
+            <a:off x="1603226" y="2132856"/>
+            <a:ext cx="5326751" cy="2448272"/>
           </a:xfrm>
           <a:prstGeom prst="rect">
             <a:avLst/>
@@ -12132,6 +12188,44 @@
           </a:ln>
         </p:spPr>
       </p:pic>
+      <p:sp>
+        <p:nvSpPr>
+          <p:cNvPr id="7" name="TextBox 6"/>
+          <p:cNvSpPr txBox="1"/>
+          <p:nvPr/>
+        </p:nvSpPr>
+        <p:spPr>
+          <a:xfrm>
+            <a:off x="7041232" y="2101326"/>
+            <a:ext cx="1224136" cy="369332"/>
+          </a:xfrm>
+          <a:prstGeom prst="rect">
+            <a:avLst/>
+          </a:prstGeom>
+          <a:noFill/>
+        </p:spPr>
+        <p:txBody>
+          <a:bodyPr wrap="square" rtlCol="0">
+            <a:spAutoFit/>
+          </a:bodyPr>
+          <a:lstStyle/>
+          <a:p>
+            <a:r>
+              <a:rPr lang="en-US" altLang="ko-KR" dirty="0" smtClean="0">
+                <a:solidFill>
+                  <a:srgbClr val="C00000"/>
+                </a:solidFill>
+              </a:rPr>
+              <a:t>for1.html</a:t>
+            </a:r>
+            <a:endParaRPr lang="ko-KR" altLang="en-US" dirty="0">
+              <a:solidFill>
+                <a:srgbClr val="C00000"/>
+              </a:solidFill>
+            </a:endParaRPr>
+          </a:p>
+        </p:txBody>
+      </p:sp>
     </p:spTree>
     <p:extLst>
       <p:ext uri="{BB962C8B-B14F-4D97-AF65-F5344CB8AC3E}">
@@ -12145,121 +12239,7 @@
   <p:timing>
     <p:tnLst>
       <p:par>
-        <p:cTn id="1" dur="indefinite" restart="never" nodeType="tmRoot">
-          <p:childTnLst>
-            <p:seq concurrent="1" nextAc="seek">
-              <p:cTn id="2" dur="indefinite" nodeType="mainSeq">
-                <p:childTnLst>
-                  <p:par>
-                    <p:cTn id="3" fill="hold">
-                      <p:stCondLst>
-                        <p:cond delay="indefinite"/>
-                      </p:stCondLst>
-                      <p:childTnLst>
-                        <p:par>
-                          <p:cTn id="4" fill="hold">
-                            <p:stCondLst>
-                              <p:cond delay="0"/>
-                            </p:stCondLst>
-                            <p:childTnLst>
-                              <p:par>
-                                <p:cTn id="5" presetID="2" presetClass="entr" presetSubtype="2" fill="hold" nodeType="clickEffect">
-                                  <p:stCondLst>
-                                    <p:cond delay="0"/>
-                                  </p:stCondLst>
-                                  <p:childTnLst>
-                                    <p:set>
-                                      <p:cBhvr>
-                                        <p:cTn id="6" dur="1" fill="hold">
-                                          <p:stCondLst>
-                                            <p:cond delay="0"/>
-                                          </p:stCondLst>
-                                        </p:cTn>
-                                        <p:tgtEl>
-                                          <p:spTgt spid="13"/>
-                                        </p:tgtEl>
-                                        <p:attrNameLst>
-                                          <p:attrName>style.visibility</p:attrName>
-                                        </p:attrNameLst>
-                                      </p:cBhvr>
-                                      <p:to>
-                                        <p:strVal val="visible"/>
-                                      </p:to>
-                                    </p:set>
-                                    <p:anim calcmode="lin" valueType="num">
-                                      <p:cBhvr additive="base">
-                                        <p:cTn id="7" dur="500" fill="hold"/>
-                                        <p:tgtEl>
-                                          <p:spTgt spid="13"/>
-                                        </p:tgtEl>
-                                        <p:attrNameLst>
-                                          <p:attrName>ppt_x</p:attrName>
-                                        </p:attrNameLst>
-                                      </p:cBhvr>
-                                      <p:tavLst>
-                                        <p:tav tm="0">
-                                          <p:val>
-                                            <p:strVal val="1+#ppt_w/2"/>
-                                          </p:val>
-                                        </p:tav>
-                                        <p:tav tm="100000">
-                                          <p:val>
-                                            <p:strVal val="#ppt_x"/>
-                                          </p:val>
-                                        </p:tav>
-                                      </p:tavLst>
-                                    </p:anim>
-                                    <p:anim calcmode="lin" valueType="num">
-                                      <p:cBhvr additive="base">
-                                        <p:cTn id="8" dur="500" fill="hold"/>
-                                        <p:tgtEl>
-                                          <p:spTgt spid="13"/>
-                                        </p:tgtEl>
-                                        <p:attrNameLst>
-                                          <p:attrName>ppt_y</p:attrName>
-                                        </p:attrNameLst>
-                                      </p:cBhvr>
-                                      <p:tavLst>
-                                        <p:tav tm="0">
-                                          <p:val>
-                                            <p:strVal val="#ppt_y"/>
-                                          </p:val>
-                                        </p:tav>
-                                        <p:tav tm="100000">
-                                          <p:val>
-                                            <p:strVal val="#ppt_y"/>
-                                          </p:val>
-                                        </p:tav>
-                                      </p:tavLst>
-                                    </p:anim>
-                                  </p:childTnLst>
-                                </p:cTn>
-                              </p:par>
-                            </p:childTnLst>
-                          </p:cTn>
-                        </p:par>
-                      </p:childTnLst>
-                    </p:cTn>
-                  </p:par>
-                </p:childTnLst>
-              </p:cTn>
-              <p:prevCondLst>
-                <p:cond evt="onPrev" delay="0">
-                  <p:tgtEl>
-                    <p:sldTgt/>
-                  </p:tgtEl>
-                </p:cond>
-              </p:prevCondLst>
-              <p:nextCondLst>
-                <p:cond evt="onNext" delay="0">
-                  <p:tgtEl>
-                    <p:sldTgt/>
-                  </p:tgtEl>
-                </p:cond>
-              </p:nextCondLst>
-            </p:seq>
-          </p:childTnLst>
-        </p:cTn>
+        <p:cTn id="1" dur="indefinite" restart="never" nodeType="tmRoot"/>
       </p:par>
     </p:tnLst>
   </p:timing>
@@ -12442,6 +12422,44 @@
               <a:rPr lang="en-US" altLang="ko-KR" sz="2000" dirty="0" smtClean="0"/>
               <a:t> </a:t>
             </a:r>
+          </a:p>
+        </p:txBody>
+      </p:sp>
+      <p:sp>
+        <p:nvSpPr>
+          <p:cNvPr id="6" name="TextBox 5"/>
+          <p:cNvSpPr txBox="1"/>
+          <p:nvPr/>
+        </p:nvSpPr>
+        <p:spPr>
+          <a:xfrm>
+            <a:off x="7041232" y="2101326"/>
+            <a:ext cx="1224136" cy="369332"/>
+          </a:xfrm>
+          <a:prstGeom prst="rect">
+            <a:avLst/>
+          </a:prstGeom>
+          <a:noFill/>
+        </p:spPr>
+        <p:txBody>
+          <a:bodyPr wrap="square" rtlCol="0">
+            <a:spAutoFit/>
+          </a:bodyPr>
+          <a:lstStyle/>
+          <a:p>
+            <a:r>
+              <a:rPr lang="en-US" altLang="ko-KR" dirty="0" smtClean="0">
+                <a:solidFill>
+                  <a:srgbClr val="C00000"/>
+                </a:solidFill>
+              </a:rPr>
+              <a:t>for2.html</a:t>
+            </a:r>
+            <a:endParaRPr lang="ko-KR" altLang="en-US" dirty="0">
+              <a:solidFill>
+                <a:srgbClr val="C00000"/>
+              </a:solidFill>
+            </a:endParaRPr>
           </a:p>
         </p:txBody>
       </p:sp>
@@ -12713,6 +12731,44 @@
           </a:ln>
         </p:spPr>
       </p:pic>
+      <p:sp>
+        <p:nvSpPr>
+          <p:cNvPr id="8" name="TextBox 7"/>
+          <p:cNvSpPr txBox="1"/>
+          <p:nvPr/>
+        </p:nvSpPr>
+        <p:spPr>
+          <a:xfrm>
+            <a:off x="5025008" y="2192037"/>
+            <a:ext cx="1658008" cy="369332"/>
+          </a:xfrm>
+          <a:prstGeom prst="rect">
+            <a:avLst/>
+          </a:prstGeom>
+          <a:noFill/>
+        </p:spPr>
+        <p:txBody>
+          <a:bodyPr wrap="square" rtlCol="0">
+            <a:spAutoFit/>
+          </a:bodyPr>
+          <a:lstStyle/>
+          <a:p>
+            <a:r>
+              <a:rPr lang="en-US" altLang="ko-KR" dirty="0" smtClean="0">
+                <a:solidFill>
+                  <a:srgbClr val="C00000"/>
+                </a:solidFill>
+              </a:rPr>
+              <a:t>factorial.html</a:t>
+            </a:r>
+            <a:endParaRPr lang="ko-KR" altLang="en-US" dirty="0">
+              <a:solidFill>
+                <a:srgbClr val="C00000"/>
+              </a:solidFill>
+            </a:endParaRPr>
+          </a:p>
+        </p:txBody>
+      </p:sp>
     </p:spTree>
     <p:extLst>
       <p:ext uri="{BB962C8B-B14F-4D97-AF65-F5344CB8AC3E}">
@@ -12808,7 +12864,7 @@
           <p:cNvPr id="7" name="내용 개체 틀 2">
             <a:extLst>
               <a:ext uri="{FF2B5EF4-FFF2-40B4-BE49-F238E27FC236}">
-                <a16:creationId xmlns="" xmlns:a16="http://schemas.microsoft.com/office/drawing/2014/main" id="{98AF3A4E-7D90-4241-89FE-799D6F9D5A94}"/>
+                <a16:creationId xmlns:a16="http://schemas.microsoft.com/office/drawing/2014/main" id="{98AF3A4E-7D90-4241-89FE-799D6F9D5A94}"/>
               </a:ext>
             </a:extLst>
           </p:cNvPr>
@@ -13092,7 +13148,7 @@
           </p:cNvPicPr>
           <p:nvPr/>
         </p:nvPicPr>
-        <p:blipFill>
+        <p:blipFill rotWithShape="1">
           <a:blip r:embed="rId2">
             <a:extLst>
               <a:ext uri="{28A0092B-C50C-407E-A947-70E740481C1C}">
@@ -13100,14 +13156,13 @@
               </a:ext>
             </a:extLst>
           </a:blip>
-          <a:stretch>
-            <a:fillRect/>
-          </a:stretch>
+          <a:srcRect r="12938" b="64203"/>
+          <a:stretch/>
         </p:blipFill>
         <p:spPr>
           <a:xfrm>
-            <a:off x="3052337" y="2636912"/>
-            <a:ext cx="3240360" cy="4182799"/>
+            <a:off x="1114452" y="2758745"/>
+            <a:ext cx="3391810" cy="1800200"/>
           </a:xfrm>
           <a:prstGeom prst="rect">
             <a:avLst/>
@@ -13121,6 +13176,88 @@
           </a:ln>
         </p:spPr>
       </p:pic>
+      <p:pic>
+        <p:nvPicPr>
+          <p:cNvPr id="9" name="그림 8"/>
+          <p:cNvPicPr>
+            <a:picLocks noChangeAspect="1"/>
+          </p:cNvPicPr>
+          <p:nvPr/>
+        </p:nvPicPr>
+        <p:blipFill rotWithShape="1">
+          <a:blip r:embed="rId2">
+            <a:extLst>
+              <a:ext uri="{28A0092B-C50C-407E-A947-70E740481C1C}">
+                <a14:useLocalDpi xmlns:a14="http://schemas.microsoft.com/office/drawing/2010/main" val="0"/>
+              </a:ext>
+            </a:extLst>
+          </a:blip>
+          <a:srcRect t="34460"/>
+          <a:stretch/>
+        </p:blipFill>
+        <p:spPr>
+          <a:xfrm>
+            <a:off x="4736976" y="2758745"/>
+            <a:ext cx="4004747" cy="3388072"/>
+          </a:xfrm>
+          <a:prstGeom prst="rect">
+            <a:avLst/>
+          </a:prstGeom>
+          <a:ln>
+            <a:solidFill>
+              <a:schemeClr val="bg1">
+                <a:lumMod val="85000"/>
+              </a:schemeClr>
+            </a:solidFill>
+          </a:ln>
+        </p:spPr>
+      </p:pic>
+      <p:sp>
+        <p:nvSpPr>
+          <p:cNvPr id="8" name="TextBox 7"/>
+          <p:cNvSpPr txBox="1"/>
+          <p:nvPr/>
+        </p:nvSpPr>
+        <p:spPr>
+          <a:xfrm>
+            <a:off x="7667358" y="3492666"/>
+            <a:ext cx="1793404" cy="369332"/>
+          </a:xfrm>
+          <a:prstGeom prst="rect">
+            <a:avLst/>
+          </a:prstGeom>
+          <a:noFill/>
+        </p:spPr>
+        <p:txBody>
+          <a:bodyPr wrap="square" rtlCol="0">
+            <a:spAutoFit/>
+          </a:bodyPr>
+          <a:lstStyle/>
+          <a:p>
+            <a:r>
+              <a:rPr lang="en-US" altLang="ko-KR" dirty="0" smtClean="0">
+                <a:solidFill>
+                  <a:srgbClr val="C00000"/>
+                </a:solidFill>
+              </a:rPr>
+              <a:t>continue1</a:t>
+            </a:r>
+            <a:r>
+              <a:rPr lang="en-US" altLang="ko-KR" dirty="0" smtClean="0">
+                <a:solidFill>
+                  <a:srgbClr val="C00000"/>
+                </a:solidFill>
+              </a:rPr>
+              <a:t>.html</a:t>
+            </a:r>
+            <a:endParaRPr lang="ko-KR" altLang="en-US" dirty="0">
+              <a:solidFill>
+                <a:srgbClr val="C00000"/>
+              </a:solidFill>
+            </a:endParaRPr>
+          </a:p>
+        </p:txBody>
+      </p:sp>
     </p:spTree>
     <p:extLst>
       <p:ext uri="{BB962C8B-B14F-4D97-AF65-F5344CB8AC3E}">
@@ -13216,7 +13353,7 @@
           <p:cNvPr id="7" name="내용 개체 틀 2">
             <a:extLst>
               <a:ext uri="{FF2B5EF4-FFF2-40B4-BE49-F238E27FC236}">
-                <a16:creationId xmlns="" xmlns:a16="http://schemas.microsoft.com/office/drawing/2014/main" id="{98AF3A4E-7D90-4241-89FE-799D6F9D5A94}"/>
+                <a16:creationId xmlns:a16="http://schemas.microsoft.com/office/drawing/2014/main" id="{98AF3A4E-7D90-4241-89FE-799D6F9D5A94}"/>
               </a:ext>
             </a:extLst>
           </p:cNvPr>
@@ -13469,6 +13606,52 @@
           </a:ln>
         </p:spPr>
       </p:pic>
+      <p:sp>
+        <p:nvSpPr>
+          <p:cNvPr id="8" name="TextBox 7"/>
+          <p:cNvSpPr txBox="1"/>
+          <p:nvPr/>
+        </p:nvSpPr>
+        <p:spPr>
+          <a:xfrm>
+            <a:off x="6829276" y="2276872"/>
+            <a:ext cx="1793404" cy="369332"/>
+          </a:xfrm>
+          <a:prstGeom prst="rect">
+            <a:avLst/>
+          </a:prstGeom>
+          <a:noFill/>
+        </p:spPr>
+        <p:txBody>
+          <a:bodyPr wrap="square" rtlCol="0">
+            <a:spAutoFit/>
+          </a:bodyPr>
+          <a:lstStyle/>
+          <a:p>
+            <a:r>
+              <a:rPr lang="en-US" altLang="ko-KR" dirty="0" smtClean="0">
+                <a:solidFill>
+                  <a:srgbClr val="C00000"/>
+                </a:solidFill>
+              </a:rPr>
+              <a:t>continue2</a:t>
+            </a:r>
+            <a:r>
+              <a:rPr lang="en-US" altLang="ko-KR" dirty="0" smtClean="0">
+                <a:solidFill>
+                  <a:srgbClr val="C00000"/>
+                </a:solidFill>
+              </a:rPr>
+              <a:t>.html</a:t>
+            </a:r>
+            <a:endParaRPr lang="ko-KR" altLang="en-US" dirty="0">
+              <a:solidFill>
+                <a:srgbClr val="C00000"/>
+              </a:solidFill>
+            </a:endParaRPr>
+          </a:p>
+        </p:txBody>
+      </p:sp>
     </p:spTree>
     <p:extLst>
       <p:ext uri="{BB962C8B-B14F-4D97-AF65-F5344CB8AC3E}">
@@ -14401,7 +14584,6 @@
               <a:rPr lang="en-US" altLang="ko-KR" sz="2000" dirty="0" smtClean="0"/>
               <a:t> </a:t>
             </a:r>
-            <a:endParaRPr lang="en-US" altLang="ko-KR" sz="2000" dirty="0" smtClean="0"/>
           </a:p>
         </p:txBody>
       </p:sp>
@@ -15433,13 +15615,13 @@
       </p:pic>
       <p:pic>
         <p:nvPicPr>
-          <p:cNvPr id="9" name="그림 8"/>
+          <p:cNvPr id="5" name="그림 4"/>
           <p:cNvPicPr>
             <a:picLocks noChangeAspect="1"/>
           </p:cNvPicPr>
           <p:nvPr/>
         </p:nvPicPr>
-        <p:blipFill rotWithShape="1">
+        <p:blipFill>
           <a:blip r:embed="rId3">
             <a:extLst>
               <a:ext uri="{28A0092B-C50C-407E-A947-70E740481C1C}">
@@ -15447,13 +15629,14 @@
               </a:ext>
             </a:extLst>
           </a:blip>
-          <a:srcRect t="11461" b="13213"/>
-          <a:stretch/>
+          <a:stretch>
+            <a:fillRect/>
+          </a:stretch>
         </p:blipFill>
         <p:spPr>
           <a:xfrm>
-            <a:off x="4331454" y="2708920"/>
-            <a:ext cx="3814446" cy="1594824"/>
+            <a:off x="4355109" y="2708920"/>
+            <a:ext cx="4465707" cy="2057578"/>
           </a:xfrm>
           <a:prstGeom prst="rect">
             <a:avLst/>
@@ -15461,7 +15644,7 @@
           <a:ln>
             <a:solidFill>
               <a:schemeClr val="bg1">
-                <a:lumMod val="95000"/>
+                <a:lumMod val="85000"/>
               </a:schemeClr>
             </a:solidFill>
           </a:ln>
@@ -15480,83 +15663,7 @@
   <p:timing>
     <p:tnLst>
       <p:par>
-        <p:cTn id="1" dur="indefinite" restart="never" nodeType="tmRoot">
-          <p:childTnLst>
-            <p:seq concurrent="1" nextAc="seek">
-              <p:cTn id="2" dur="indefinite" nodeType="mainSeq">
-                <p:childTnLst>
-                  <p:par>
-                    <p:cTn id="3" fill="hold">
-                      <p:stCondLst>
-                        <p:cond delay="indefinite"/>
-                      </p:stCondLst>
-                      <p:childTnLst>
-                        <p:par>
-                          <p:cTn id="4" fill="hold">
-                            <p:stCondLst>
-                              <p:cond delay="0"/>
-                            </p:stCondLst>
-                            <p:childTnLst>
-                              <p:par>
-                                <p:cTn id="5" presetID="10" presetClass="entr" presetSubtype="0" fill="hold" nodeType="clickEffect">
-                                  <p:stCondLst>
-                                    <p:cond delay="0"/>
-                                  </p:stCondLst>
-                                  <p:childTnLst>
-                                    <p:set>
-                                      <p:cBhvr>
-                                        <p:cTn id="6" dur="1" fill="hold">
-                                          <p:stCondLst>
-                                            <p:cond delay="0"/>
-                                          </p:stCondLst>
-                                        </p:cTn>
-                                        <p:tgtEl>
-                                          <p:spTgt spid="9"/>
-                                        </p:tgtEl>
-                                        <p:attrNameLst>
-                                          <p:attrName>style.visibility</p:attrName>
-                                        </p:attrNameLst>
-                                      </p:cBhvr>
-                                      <p:to>
-                                        <p:strVal val="visible"/>
-                                      </p:to>
-                                    </p:set>
-                                    <p:animEffect transition="in" filter="fade">
-                                      <p:cBhvr>
-                                        <p:cTn id="7" dur="500"/>
-                                        <p:tgtEl>
-                                          <p:spTgt spid="9"/>
-                                        </p:tgtEl>
-                                      </p:cBhvr>
-                                    </p:animEffect>
-                                  </p:childTnLst>
-                                </p:cTn>
-                              </p:par>
-                            </p:childTnLst>
-                          </p:cTn>
-                        </p:par>
-                      </p:childTnLst>
-                    </p:cTn>
-                  </p:par>
-                </p:childTnLst>
-              </p:cTn>
-              <p:prevCondLst>
-                <p:cond evt="onPrev" delay="0">
-                  <p:tgtEl>
-                    <p:sldTgt/>
-                  </p:tgtEl>
-                </p:cond>
-              </p:prevCondLst>
-              <p:nextCondLst>
-                <p:cond evt="onNext" delay="0">
-                  <p:tgtEl>
-                    <p:sldTgt/>
-                  </p:tgtEl>
-                </p:cond>
-              </p:nextCondLst>
-            </p:seq>
-          </p:childTnLst>
-        </p:cTn>
+        <p:cTn id="1" dur="indefinite" restart="never" nodeType="tmRoot"/>
       </p:par>
     </p:tnLst>
   </p:timing>
@@ -15709,7 +15816,7 @@
       </p:pic>
       <p:pic>
         <p:nvPicPr>
-          <p:cNvPr id="5" name="그림 4"/>
+          <p:cNvPr id="3" name="그림 2"/>
           <p:cNvPicPr>
             <a:picLocks noChangeAspect="1"/>
           </p:cNvPicPr>
@@ -15729,8 +15836,8 @@
         </p:blipFill>
         <p:spPr>
           <a:xfrm>
-            <a:off x="3944888" y="1844824"/>
-            <a:ext cx="4007854" cy="4702895"/>
+            <a:off x="3656856" y="1124744"/>
+            <a:ext cx="4248472" cy="5588375"/>
           </a:xfrm>
           <a:prstGeom prst="rect">
             <a:avLst/>
@@ -15914,7 +16021,7 @@
       </p:pic>
       <p:pic>
         <p:nvPicPr>
-          <p:cNvPr id="6" name="그림 5"/>
+          <p:cNvPr id="5" name="그림 4"/>
           <p:cNvPicPr>
             <a:picLocks noChangeAspect="1"/>
           </p:cNvPicPr>
@@ -15934,8 +16041,8 @@
         </p:blipFill>
         <p:spPr>
           <a:xfrm>
-            <a:off x="3656856" y="2020897"/>
-            <a:ext cx="4808637" cy="1783235"/>
+            <a:off x="3872880" y="2035945"/>
+            <a:ext cx="4824536" cy="3410699"/>
           </a:xfrm>
           <a:prstGeom prst="rect">
             <a:avLst/>
@@ -15949,99 +16056,6 @@
           </a:ln>
         </p:spPr>
       </p:pic>
-      <p:sp>
-        <p:nvSpPr>
-          <p:cNvPr id="7" name="TextBox 6"/>
-          <p:cNvSpPr txBox="1"/>
-          <p:nvPr/>
-        </p:nvSpPr>
-        <p:spPr>
-          <a:xfrm>
-            <a:off x="3656855" y="3933056"/>
-            <a:ext cx="4808637" cy="369332"/>
-          </a:xfrm>
-          <a:prstGeom prst="rect">
-            <a:avLst/>
-          </a:prstGeom>
-          <a:noFill/>
-        </p:spPr>
-        <p:txBody>
-          <a:bodyPr wrap="square" rtlCol="0">
-            <a:spAutoFit/>
-          </a:bodyPr>
-          <a:lstStyle/>
-          <a:p>
-            <a:r>
-              <a:rPr lang="ko-KR" altLang="en-US" dirty="0" smtClean="0"/>
-              <a:t>★ </a:t>
-            </a:r>
-            <a:r>
-              <a:rPr lang="en-US" altLang="ko-KR" dirty="0" smtClean="0"/>
-              <a:t>1</a:t>
-            </a:r>
-            <a:r>
-              <a:rPr lang="ko-KR" altLang="en-US" dirty="0" smtClean="0"/>
-              <a:t>감소연산자</a:t>
-            </a:r>
-            <a:r>
-              <a:rPr lang="en-US" altLang="ko-KR" dirty="0" smtClean="0"/>
-              <a:t>(--)</a:t>
-            </a:r>
-            <a:r>
-              <a:rPr lang="ko-KR" altLang="en-US" dirty="0" smtClean="0"/>
-              <a:t>를</a:t>
-            </a:r>
-            <a:r>
-              <a:rPr lang="en-US" altLang="ko-KR" dirty="0" smtClean="0"/>
-              <a:t> </a:t>
-            </a:r>
-            <a:r>
-              <a:rPr lang="ko-KR" altLang="en-US" dirty="0" smtClean="0"/>
-              <a:t>사용하여 구현하기</a:t>
-            </a:r>
-            <a:endParaRPr lang="ko-KR" altLang="en-US" dirty="0"/>
-          </a:p>
-        </p:txBody>
-      </p:sp>
-      <p:sp>
-        <p:nvSpPr>
-          <p:cNvPr id="9" name="직사각형 8"/>
-          <p:cNvSpPr/>
-          <p:nvPr/>
-        </p:nvSpPr>
-        <p:spPr>
-          <a:xfrm>
-            <a:off x="3656856" y="4365104"/>
-            <a:ext cx="4808637" cy="1512168"/>
-          </a:xfrm>
-          <a:prstGeom prst="rect">
-            <a:avLst/>
-          </a:prstGeom>
-          <a:ln/>
-        </p:spPr>
-        <p:style>
-          <a:lnRef idx="2">
-            <a:schemeClr val="accent1"/>
-          </a:lnRef>
-          <a:fillRef idx="1">
-            <a:schemeClr val="lt1"/>
-          </a:fillRef>
-          <a:effectRef idx="0">
-            <a:schemeClr val="accent1"/>
-          </a:effectRef>
-          <a:fontRef idx="minor">
-            <a:schemeClr val="dk1"/>
-          </a:fontRef>
-        </p:style>
-        <p:txBody>
-          <a:bodyPr rtlCol="0" anchor="ctr"/>
-          <a:lstStyle/>
-          <a:p>
-            <a:pPr algn="ctr"/>
-            <a:endParaRPr lang="ko-KR" altLang="en-US"/>
-          </a:p>
-        </p:txBody>
-      </p:sp>
     </p:spTree>
     <p:extLst>
       <p:ext uri="{BB962C8B-B14F-4D97-AF65-F5344CB8AC3E}">
@@ -16621,7 +16635,6 @@
               <a:rPr lang="en-US" altLang="ko-KR" sz="2000" dirty="0" smtClean="0"/>
               <a:t>   </a:t>
             </a:r>
-            <a:endParaRPr lang="en-US" altLang="ko-KR" sz="2000" dirty="0" smtClean="0"/>
           </a:p>
         </p:txBody>
       </p:sp>
@@ -16960,7 +16973,11 @@
             <a:pPr algn="ctr"/>
             <a:r>
               <a:rPr lang="en-US" altLang="ko-KR" sz="2800" dirty="0" smtClean="0"/>
-              <a:t>If ~ else </a:t>
+              <a:t>if </a:t>
+            </a:r>
+            <a:r>
+              <a:rPr lang="en-US" altLang="ko-KR" sz="2800" dirty="0" smtClean="0"/>
+              <a:t>~ else </a:t>
             </a:r>
             <a:r>
               <a:rPr lang="ko-KR" altLang="en-US" sz="2800" dirty="0" smtClean="0"/>
@@ -17417,7 +17434,7 @@
         <p:spPr>
           <a:xfrm>
             <a:off x="1424608" y="1601308"/>
-            <a:ext cx="1584176" cy="360041"/>
+            <a:ext cx="2088232" cy="360041"/>
           </a:xfrm>
           <a:prstGeom prst="roundRect">
             <a:avLst/>
@@ -17460,7 +17477,7 @@
                   <a:sysClr val="windowText" lastClr="000000"/>
                 </a:solidFill>
               </a:rPr>
-              <a:t>eat.html</a:t>
+              <a:t>eat_layout.html</a:t>
             </a:r>
             <a:endParaRPr lang="ko-KR" altLang="en-US" dirty="0">
               <a:solidFill>
@@ -17635,63 +17652,9 @@
           </a:p>
         </p:txBody>
       </p:sp>
-      <p:sp>
-        <p:nvSpPr>
-          <p:cNvPr id="9" name="모서리가 둥근 직사각형 8"/>
-          <p:cNvSpPr/>
-          <p:nvPr/>
-        </p:nvSpPr>
-        <p:spPr>
-          <a:xfrm>
-            <a:off x="6393160" y="2333963"/>
-            <a:ext cx="1152128" cy="360041"/>
-          </a:xfrm>
-          <a:prstGeom prst="roundRect">
-            <a:avLst/>
-          </a:prstGeom>
-          <a:noFill/>
-          <a:ln w="12700"/>
-        </p:spPr>
-        <p:style>
-          <a:lnRef idx="2">
-            <a:schemeClr val="accent1">
-              <a:shade val="50000"/>
-            </a:schemeClr>
-          </a:lnRef>
-          <a:fillRef idx="1">
-            <a:schemeClr val="accent1"/>
-          </a:fillRef>
-          <a:effectRef idx="0">
-            <a:schemeClr val="accent1"/>
-          </a:effectRef>
-          <a:fontRef idx="minor">
-            <a:schemeClr val="lt1"/>
-          </a:fontRef>
-        </p:style>
-        <p:txBody>
-          <a:bodyPr rtlCol="0" anchor="ctr"/>
-          <a:lstStyle/>
-          <a:p>
-            <a:pPr algn="ctr"/>
-            <a:r>
-              <a:rPr lang="en-US" altLang="ko-KR" dirty="0" smtClean="0">
-                <a:solidFill>
-                  <a:sysClr val="windowText" lastClr="000000"/>
-                </a:solidFill>
-              </a:rPr>
-              <a:t>seat.js</a:t>
-            </a:r>
-            <a:endParaRPr lang="ko-KR" altLang="en-US" dirty="0">
-              <a:solidFill>
-                <a:sysClr val="windowText" lastClr="000000"/>
-              </a:solidFill>
-            </a:endParaRPr>
-          </a:p>
-        </p:txBody>
-      </p:sp>
       <p:pic>
         <p:nvPicPr>
-          <p:cNvPr id="3" name="그림 2"/>
+          <p:cNvPr id="5" name="그림 4"/>
           <p:cNvPicPr>
             <a:picLocks noChangeAspect="1"/>
           </p:cNvPicPr>
@@ -17711,8 +17674,8 @@
         </p:blipFill>
         <p:spPr>
           <a:xfrm>
-            <a:off x="344488" y="1469740"/>
-            <a:ext cx="5400600" cy="2905906"/>
+            <a:off x="848544" y="1431764"/>
+            <a:ext cx="6759526" cy="2339543"/>
           </a:xfrm>
           <a:prstGeom prst="rect">
             <a:avLst/>
@@ -17726,9 +17689,63 @@
           </a:ln>
         </p:spPr>
       </p:pic>
+      <p:sp>
+        <p:nvSpPr>
+          <p:cNvPr id="9" name="모서리가 둥근 직사각형 8"/>
+          <p:cNvSpPr/>
+          <p:nvPr/>
+        </p:nvSpPr>
+        <p:spPr>
+          <a:xfrm>
+            <a:off x="7032006" y="2293853"/>
+            <a:ext cx="1152128" cy="360041"/>
+          </a:xfrm>
+          <a:prstGeom prst="roundRect">
+            <a:avLst/>
+          </a:prstGeom>
+          <a:noFill/>
+          <a:ln w="12700"/>
+        </p:spPr>
+        <p:style>
+          <a:lnRef idx="2">
+            <a:schemeClr val="accent1">
+              <a:shade val="50000"/>
+            </a:schemeClr>
+          </a:lnRef>
+          <a:fillRef idx="1">
+            <a:schemeClr val="accent1"/>
+          </a:fillRef>
+          <a:effectRef idx="0">
+            <a:schemeClr val="accent1"/>
+          </a:effectRef>
+          <a:fontRef idx="minor">
+            <a:schemeClr val="lt1"/>
+          </a:fontRef>
+        </p:style>
+        <p:txBody>
+          <a:bodyPr rtlCol="0" anchor="ctr"/>
+          <a:lstStyle/>
+          <a:p>
+            <a:pPr algn="ctr"/>
+            <a:r>
+              <a:rPr lang="en-US" altLang="ko-KR" dirty="0" smtClean="0">
+                <a:solidFill>
+                  <a:sysClr val="windowText" lastClr="000000"/>
+                </a:solidFill>
+              </a:rPr>
+              <a:t>seat.js</a:t>
+            </a:r>
+            <a:endParaRPr lang="ko-KR" altLang="en-US" dirty="0">
+              <a:solidFill>
+                <a:sysClr val="windowText" lastClr="000000"/>
+              </a:solidFill>
+            </a:endParaRPr>
+          </a:p>
+        </p:txBody>
+      </p:sp>
       <p:pic>
         <p:nvPicPr>
-          <p:cNvPr id="7" name="그림 6"/>
+          <p:cNvPr id="6" name="그림 5"/>
           <p:cNvPicPr>
             <a:picLocks noChangeAspect="1"/>
           </p:cNvPicPr>
@@ -17748,8 +17765,8 @@
         </p:blipFill>
         <p:spPr>
           <a:xfrm>
-            <a:off x="4376936" y="3140968"/>
-            <a:ext cx="5376386" cy="2736304"/>
+            <a:off x="3007889" y="3586248"/>
+            <a:ext cx="5502043" cy="3083112"/>
           </a:xfrm>
           <a:prstGeom prst="rect">
             <a:avLst/>
@@ -17824,8 +17841,16 @@
           <a:p>
             <a:pPr algn="ctr"/>
             <a:r>
+              <a:rPr lang="en-US" altLang="ko-KR" sz="2800" dirty="0"/>
+              <a:t>i</a:t>
+            </a:r>
+            <a:r>
               <a:rPr lang="en-US" altLang="ko-KR" sz="2800" dirty="0" smtClean="0"/>
-              <a:t>If ~ else </a:t>
+              <a:t>f </a:t>
+            </a:r>
+            <a:r>
+              <a:rPr lang="en-US" altLang="ko-KR" sz="2800" dirty="0" smtClean="0"/>
+              <a:t>~ else </a:t>
             </a:r>
             <a:r>
               <a:rPr lang="ko-KR" altLang="en-US" sz="2800" dirty="0" smtClean="0"/>
@@ -17939,7 +17964,7 @@
           </p:cNvPicPr>
           <p:nvPr/>
         </p:nvPicPr>
-        <p:blipFill>
+        <p:blipFill rotWithShape="1">
           <a:blip r:embed="rId2">
             <a:extLst>
               <a:ext uri="{28A0092B-C50C-407E-A947-70E740481C1C}">
@@ -17947,14 +17972,13 @@
               </a:ext>
             </a:extLst>
           </a:blip>
-          <a:stretch>
-            <a:fillRect/>
-          </a:stretch>
+          <a:srcRect b="14998"/>
+          <a:stretch/>
         </p:blipFill>
         <p:spPr>
           <a:xfrm>
             <a:off x="1640632" y="2492606"/>
-            <a:ext cx="6294666" cy="2880610"/>
+            <a:ext cx="6294666" cy="2448562"/>
           </a:xfrm>
           <a:prstGeom prst="rect">
             <a:avLst/>
@@ -18561,14 +18585,14 @@
                 <a:gridCol w="1512168">
                   <a:extLst>
                     <a:ext uri="{9D8B030D-6E8A-4147-A177-3AD203B41FA5}">
-                      <a16:colId xmlns:a16="http://schemas.microsoft.com/office/drawing/2014/main" xmlns="" val="20000"/>
+                      <a16:colId xmlns:a16="http://schemas.microsoft.com/office/drawing/2014/main" val="20000"/>
                     </a:ext>
                   </a:extLst>
                 </a:gridCol>
                 <a:gridCol w="1512168">
                   <a:extLst>
                     <a:ext uri="{9D8B030D-6E8A-4147-A177-3AD203B41FA5}">
-                      <a16:colId xmlns:a16="http://schemas.microsoft.com/office/drawing/2014/main" xmlns="" val="20001"/>
+                      <a16:colId xmlns:a16="http://schemas.microsoft.com/office/drawing/2014/main" val="20001"/>
                     </a:ext>
                   </a:extLst>
                 </a:gridCol>
@@ -18624,7 +18648,7 @@
                 </a:tc>
                 <a:extLst>
                   <a:ext uri="{0D108BD9-81ED-4DB2-BD59-A6C34878D82A}">
-                    <a16:rowId xmlns:a16="http://schemas.microsoft.com/office/drawing/2014/main" xmlns="" val="10000"/>
+                    <a16:rowId xmlns:a16="http://schemas.microsoft.com/office/drawing/2014/main" val="10000"/>
                   </a:ext>
                 </a:extLst>
               </a:tr>
@@ -18677,7 +18701,7 @@
                 </a:tc>
                 <a:extLst>
                   <a:ext uri="{0D108BD9-81ED-4DB2-BD59-A6C34878D82A}">
-                    <a16:rowId xmlns:a16="http://schemas.microsoft.com/office/drawing/2014/main" xmlns="" val="10001"/>
+                    <a16:rowId xmlns:a16="http://schemas.microsoft.com/office/drawing/2014/main" val="10001"/>
                   </a:ext>
                 </a:extLst>
               </a:tr>
@@ -18726,7 +18750,7 @@
                 </a:tc>
                 <a:extLst>
                   <a:ext uri="{0D108BD9-81ED-4DB2-BD59-A6C34878D82A}">
-                    <a16:rowId xmlns:a16="http://schemas.microsoft.com/office/drawing/2014/main" xmlns="" val="10002"/>
+                    <a16:rowId xmlns:a16="http://schemas.microsoft.com/office/drawing/2014/main" val="10002"/>
                   </a:ext>
                 </a:extLst>
               </a:tr>
@@ -18783,7 +18807,7 @@
                 </a:tc>
                 <a:extLst>
                   <a:ext uri="{0D108BD9-81ED-4DB2-BD59-A6C34878D82A}">
-                    <a16:rowId xmlns:a16="http://schemas.microsoft.com/office/drawing/2014/main" xmlns="" val="10003"/>
+                    <a16:rowId xmlns:a16="http://schemas.microsoft.com/office/drawing/2014/main" val="10003"/>
                   </a:ext>
                 </a:extLst>
               </a:tr>
@@ -18847,7 +18871,7 @@
                 </a:tc>
                 <a:extLst>
                   <a:ext uri="{0D108BD9-81ED-4DB2-BD59-A6C34878D82A}">
-                    <a16:rowId xmlns:a16="http://schemas.microsoft.com/office/drawing/2014/main" xmlns="" val="10004"/>
+                    <a16:rowId xmlns:a16="http://schemas.microsoft.com/office/drawing/2014/main" val="10004"/>
                   </a:ext>
                 </a:extLst>
               </a:tr>
@@ -19487,14 +19511,14 @@
                 <a:gridCol w="1872208">
                   <a:extLst>
                     <a:ext uri="{9D8B030D-6E8A-4147-A177-3AD203B41FA5}">
-                      <a16:colId xmlns:a16="http://schemas.microsoft.com/office/drawing/2014/main" xmlns="" val="20000"/>
+                      <a16:colId xmlns:a16="http://schemas.microsoft.com/office/drawing/2014/main" val="20000"/>
                     </a:ext>
                   </a:extLst>
                 </a:gridCol>
                 <a:gridCol w="1872208">
                   <a:extLst>
                     <a:ext uri="{9D8B030D-6E8A-4147-A177-3AD203B41FA5}">
-                      <a16:colId xmlns:a16="http://schemas.microsoft.com/office/drawing/2014/main" xmlns="" val="20001"/>
+                      <a16:colId xmlns:a16="http://schemas.microsoft.com/office/drawing/2014/main" val="20001"/>
                     </a:ext>
                   </a:extLst>
                 </a:gridCol>
@@ -19550,7 +19574,7 @@
                 </a:tc>
                 <a:extLst>
                   <a:ext uri="{0D108BD9-81ED-4DB2-BD59-A6C34878D82A}">
-                    <a16:rowId xmlns:a16="http://schemas.microsoft.com/office/drawing/2014/main" xmlns="" val="10000"/>
+                    <a16:rowId xmlns:a16="http://schemas.microsoft.com/office/drawing/2014/main" val="10000"/>
                   </a:ext>
                 </a:extLst>
               </a:tr>
@@ -19611,7 +19635,7 @@
                 </a:tc>
                 <a:extLst>
                   <a:ext uri="{0D108BD9-81ED-4DB2-BD59-A6C34878D82A}">
-                    <a16:rowId xmlns:a16="http://schemas.microsoft.com/office/drawing/2014/main" xmlns="" val="10001"/>
+                    <a16:rowId xmlns:a16="http://schemas.microsoft.com/office/drawing/2014/main" val="10001"/>
                   </a:ext>
                 </a:extLst>
               </a:tr>
@@ -19668,7 +19692,7 @@
                 </a:tc>
                 <a:extLst>
                   <a:ext uri="{0D108BD9-81ED-4DB2-BD59-A6C34878D82A}">
-                    <a16:rowId xmlns:a16="http://schemas.microsoft.com/office/drawing/2014/main" xmlns="" val="10002"/>
+                    <a16:rowId xmlns:a16="http://schemas.microsoft.com/office/drawing/2014/main" val="10002"/>
                   </a:ext>
                 </a:extLst>
               </a:tr>
@@ -19725,7 +19749,7 @@
                 </a:tc>
                 <a:extLst>
                   <a:ext uri="{0D108BD9-81ED-4DB2-BD59-A6C34878D82A}">
-                    <a16:rowId xmlns:a16="http://schemas.microsoft.com/office/drawing/2014/main" xmlns="" val="10003"/>
+                    <a16:rowId xmlns:a16="http://schemas.microsoft.com/office/drawing/2014/main" val="10003"/>
                   </a:ext>
                 </a:extLst>
               </a:tr>
@@ -19782,7 +19806,7 @@
                 </a:tc>
                 <a:extLst>
                   <a:ext uri="{0D108BD9-81ED-4DB2-BD59-A6C34878D82A}">
-                    <a16:rowId xmlns:a16="http://schemas.microsoft.com/office/drawing/2014/main" xmlns="" val="10004"/>
+                    <a16:rowId xmlns:a16="http://schemas.microsoft.com/office/drawing/2014/main" val="10004"/>
                   </a:ext>
                 </a:extLst>
               </a:tr>
@@ -19845,6 +19869,11 @@
                     </a:lnR>
                   </a:tcPr>
                 </a:tc>
+                <a:extLst>
+                  <a:ext uri="{0D108BD9-81ED-4DB2-BD59-A6C34878D82A}">
+                    <a16:rowId xmlns:a16="http://schemas.microsoft.com/office/drawing/2014/main" val="10005"/>
+                  </a:ext>
+                </a:extLst>
               </a:tr>
             </a:tbl>
           </a:graphicData>
